--- a/BiasML.pptx
+++ b/BiasML.pptx
@@ -113,6 +113,11 @@
       </a:defRPr>
     </a:lvl9pPr>
   </p:defaultTextStyle>
+  <p:extLst>
+    <p:ext uri="{EFAFB233-063F-42B5-8137-9DF3F51BA10A}">
+      <p15:sldGuideLst xmlns:p15="http://schemas.microsoft.com/office/powerpoint/2012/main"/>
+    </p:ext>
+  </p:extLst>
 </p:presentation>
 </file>
 
@@ -198,7 +203,7 @@
           <a:p>
             <a:fld id="{B73A3B82-F437-554D-A666-28D5B92FDC99}" type="datetimeFigureOut">
               <a:rPr lang="en-US" smtClean="0"/>
-              <a:t>3/4/20</a:t>
+              <a:t>3/11/20</a:t>
             </a:fld>
             <a:endParaRPr lang="en-US"/>
           </a:p>
@@ -826,7 +831,7 @@
           <a:p>
             <a:fld id="{D8245A49-6DFE-5546-A617-05C39A0F3061}" type="datetimeFigureOut">
               <a:rPr lang="en-US" smtClean="0"/>
-              <a:t>3/3/20</a:t>
+              <a:t>3/11/20</a:t>
             </a:fld>
             <a:endParaRPr lang="en-US"/>
           </a:p>
@@ -1024,7 +1029,7 @@
           <a:p>
             <a:fld id="{D8245A49-6DFE-5546-A617-05C39A0F3061}" type="datetimeFigureOut">
               <a:rPr lang="en-US" smtClean="0"/>
-              <a:t>3/3/20</a:t>
+              <a:t>3/11/20</a:t>
             </a:fld>
             <a:endParaRPr lang="en-US"/>
           </a:p>
@@ -1232,7 +1237,7 @@
           <a:p>
             <a:fld id="{D8245A49-6DFE-5546-A617-05C39A0F3061}" type="datetimeFigureOut">
               <a:rPr lang="en-US" smtClean="0"/>
-              <a:t>3/3/20</a:t>
+              <a:t>3/11/20</a:t>
             </a:fld>
             <a:endParaRPr lang="en-US"/>
           </a:p>
@@ -1430,7 +1435,7 @@
           <a:p>
             <a:fld id="{D8245A49-6DFE-5546-A617-05C39A0F3061}" type="datetimeFigureOut">
               <a:rPr lang="en-US" smtClean="0"/>
-              <a:t>3/3/20</a:t>
+              <a:t>3/11/20</a:t>
             </a:fld>
             <a:endParaRPr lang="en-US"/>
           </a:p>
@@ -1705,7 +1710,7 @@
           <a:p>
             <a:fld id="{D8245A49-6DFE-5546-A617-05C39A0F3061}" type="datetimeFigureOut">
               <a:rPr lang="en-US" smtClean="0"/>
-              <a:t>3/3/20</a:t>
+              <a:t>3/11/20</a:t>
             </a:fld>
             <a:endParaRPr lang="en-US"/>
           </a:p>
@@ -1970,7 +1975,7 @@
           <a:p>
             <a:fld id="{D8245A49-6DFE-5546-A617-05C39A0F3061}" type="datetimeFigureOut">
               <a:rPr lang="en-US" smtClean="0"/>
-              <a:t>3/3/20</a:t>
+              <a:t>3/11/20</a:t>
             </a:fld>
             <a:endParaRPr lang="en-US"/>
           </a:p>
@@ -2382,7 +2387,7 @@
           <a:p>
             <a:fld id="{D8245A49-6DFE-5546-A617-05C39A0F3061}" type="datetimeFigureOut">
               <a:rPr lang="en-US" smtClean="0"/>
-              <a:t>3/3/20</a:t>
+              <a:t>3/11/20</a:t>
             </a:fld>
             <a:endParaRPr lang="en-US"/>
           </a:p>
@@ -2523,7 +2528,7 @@
           <a:p>
             <a:fld id="{D8245A49-6DFE-5546-A617-05C39A0F3061}" type="datetimeFigureOut">
               <a:rPr lang="en-US" smtClean="0"/>
-              <a:t>3/3/20</a:t>
+              <a:t>3/11/20</a:t>
             </a:fld>
             <a:endParaRPr lang="en-US"/>
           </a:p>
@@ -2636,7 +2641,7 @@
           <a:p>
             <a:fld id="{D8245A49-6DFE-5546-A617-05C39A0F3061}" type="datetimeFigureOut">
               <a:rPr lang="en-US" smtClean="0"/>
-              <a:t>3/3/20</a:t>
+              <a:t>3/11/20</a:t>
             </a:fld>
             <a:endParaRPr lang="en-US"/>
           </a:p>
@@ -2947,7 +2952,7 @@
           <a:p>
             <a:fld id="{D8245A49-6DFE-5546-A617-05C39A0F3061}" type="datetimeFigureOut">
               <a:rPr lang="en-US" smtClean="0"/>
-              <a:t>3/3/20</a:t>
+              <a:t>3/11/20</a:t>
             </a:fld>
             <a:endParaRPr lang="en-US"/>
           </a:p>
@@ -3235,7 +3240,7 @@
           <a:p>
             <a:fld id="{D8245A49-6DFE-5546-A617-05C39A0F3061}" type="datetimeFigureOut">
               <a:rPr lang="en-US" smtClean="0"/>
-              <a:t>3/3/20</a:t>
+              <a:t>3/11/20</a:t>
             </a:fld>
             <a:endParaRPr lang="en-US"/>
           </a:p>
@@ -3476,7 +3481,7 @@
           <a:p>
             <a:fld id="{D8245A49-6DFE-5546-A617-05C39A0F3061}" type="datetimeFigureOut">
               <a:rPr lang="en-US" smtClean="0"/>
-              <a:t>3/3/20</a:t>
+              <a:t>3/11/20</a:t>
             </a:fld>
             <a:endParaRPr lang="en-US"/>
           </a:p>
@@ -3895,31 +3900,6 @@
       </p:grpSpPr>
       <p:sp>
         <p:nvSpPr>
-          <p:cNvPr id="2" name="Title 1">
-            <a:extLst>
-              <a:ext uri="{FF2B5EF4-FFF2-40B4-BE49-F238E27FC236}">
-                <a16:creationId xmlns:a16="http://schemas.microsoft.com/office/drawing/2014/main" id="{CB72CF35-5982-E34F-B026-DD83180A5E55}"/>
-              </a:ext>
-            </a:extLst>
-          </p:cNvPr>
-          <p:cNvSpPr>
-            <a:spLocks noGrp="1"/>
-          </p:cNvSpPr>
-          <p:nvPr>
-            <p:ph type="ctrTitle"/>
-          </p:nvPr>
-        </p:nvSpPr>
-        <p:spPr/>
-        <p:txBody>
-          <a:bodyPr/>
-          <a:lstStyle/>
-          <a:p>
-            <a:endParaRPr lang="en-US"/>
-          </a:p>
-        </p:txBody>
-      </p:sp>
-      <p:sp>
-        <p:nvSpPr>
           <p:cNvPr id="3" name="Subtitle 2">
             <a:extLst>
               <a:ext uri="{FF2B5EF4-FFF2-40B4-BE49-F238E27FC236}">
@@ -3934,12 +3914,24 @@
             <p:ph type="subTitle" idx="1"/>
           </p:nvPr>
         </p:nvSpPr>
-        <p:spPr/>
-        <p:txBody>
-          <a:bodyPr/>
-          <a:lstStyle/>
-          <a:p>
-            <a:endParaRPr lang="en-US"/>
+        <p:spPr>
+          <a:xfrm>
+            <a:off x="1524000" y="2601119"/>
+            <a:ext cx="9144000" cy="1655762"/>
+          </a:xfrm>
+        </p:spPr>
+        <p:txBody>
+          <a:bodyPr>
+            <a:normAutofit/>
+          </a:bodyPr>
+          <a:lstStyle/>
+          <a:p>
+            <a:r>
+              <a:rPr lang="en-US" sz="3200" dirty="0">
+                <a:latin typeface="Abadi MT Condensed Light" panose="020B0306030101010103" pitchFamily="34" charset="77"/>
+              </a:rPr>
+              <a:t>Data is the new gold? Then why don’t we have quality checks?</a:t>
+            </a:r>
           </a:p>
         </p:txBody>
       </p:sp>
